--- a/modules/Depletion/PPT.pptx
+++ b/modules/Depletion/PPT.pptx
@@ -5,18 +5,17 @@
     <p:sldMasterId id="2147483648" r:id="rId1"/>
   </p:sldMasterIdLst>
   <p:notesMasterIdLst>
-    <p:notesMasterId r:id="rId11"/>
+    <p:notesMasterId r:id="rId10"/>
   </p:notesMasterIdLst>
   <p:sldIdLst>
-    <p:sldId id="305" r:id="rId2"/>
-    <p:sldId id="323" r:id="rId3"/>
-    <p:sldId id="324" r:id="rId4"/>
-    <p:sldId id="325" r:id="rId5"/>
-    <p:sldId id="326" r:id="rId6"/>
-    <p:sldId id="330" r:id="rId7"/>
-    <p:sldId id="332" r:id="rId8"/>
-    <p:sldId id="334" r:id="rId9"/>
-    <p:sldId id="333" r:id="rId10"/>
+    <p:sldId id="323" r:id="rId2"/>
+    <p:sldId id="324" r:id="rId3"/>
+    <p:sldId id="325" r:id="rId4"/>
+    <p:sldId id="326" r:id="rId5"/>
+    <p:sldId id="330" r:id="rId6"/>
+    <p:sldId id="332" r:id="rId7"/>
+    <p:sldId id="334" r:id="rId8"/>
+    <p:sldId id="333" r:id="rId9"/>
   </p:sldIdLst>
   <p:sldSz cx="9144000" cy="6858000" type="screen4x3"/>
   <p:notesSz cx="6858000" cy="9144000"/>
@@ -719,7 +718,7 @@
             <a:fld id="{1CE7A44D-BBAB-467F-8D75-6354DFFF025B}" type="slidenum">
               <a:rPr lang="en-US" smtClean="0"/>
               <a:pPr/>
-              <a:t>5</a:t>
+              <a:t>4</a:t>
             </a:fld>
             <a:endParaRPr lang="en-US"/>
           </a:p>
@@ -3610,73 +3609,22 @@
       </p:grpSpPr>
       <p:sp>
         <p:nvSpPr>
-          <p:cNvPr id="22" name="Rectangle 21"/>
-          <p:cNvSpPr/>
-          <p:nvPr/>
-        </p:nvSpPr>
-        <p:spPr>
-          <a:xfrm>
-            <a:off x="1143000" y="2362200"/>
-            <a:ext cx="7162800" cy="3048000"/>
-          </a:xfrm>
-          <a:prstGeom prst="rect">
-            <a:avLst/>
-          </a:prstGeom>
-          <a:solidFill>
-            <a:schemeClr val="accent2">
-              <a:lumMod val="40000"/>
-              <a:lumOff val="60000"/>
-            </a:schemeClr>
-          </a:solidFill>
-        </p:spPr>
-        <p:style>
-          <a:lnRef idx="2">
-            <a:schemeClr val="accent1">
-              <a:shade val="50000"/>
-            </a:schemeClr>
-          </a:lnRef>
-          <a:fillRef idx="1">
-            <a:schemeClr val="accent1"/>
-          </a:fillRef>
-          <a:effectRef idx="0">
-            <a:schemeClr val="accent1"/>
-          </a:effectRef>
-          <a:fontRef idx="minor">
-            <a:schemeClr val="lt1"/>
-          </a:fontRef>
-        </p:style>
-        <p:txBody>
-          <a:bodyPr rtlCol="0" anchor="ctr"/>
-          <a:lstStyle/>
-          <a:p>
-            <a:pPr algn="ctr"/>
-            <a:endParaRPr lang="en-US"/>
-          </a:p>
-        </p:txBody>
-      </p:sp>
-      <p:sp>
-        <p:nvSpPr>
-          <p:cNvPr id="6" name="Title 5"/>
-          <p:cNvSpPr>
-            <a:spLocks noGrp="1"/>
-          </p:cNvSpPr>
-          <p:nvPr>
-            <p:ph type="ctrTitle"/>
-          </p:nvPr>
-        </p:nvSpPr>
-        <p:spPr>
-          <a:xfrm>
-            <a:off x="685800" y="533400"/>
-            <a:ext cx="7772400" cy="1470025"/>
-          </a:xfrm>
-        </p:spPr>
+          <p:cNvPr id="2" name="Title 1"/>
+          <p:cNvSpPr>
+            <a:spLocks noGrp="1"/>
+          </p:cNvSpPr>
+          <p:nvPr>
+            <p:ph type="title"/>
+          </p:nvPr>
+        </p:nvSpPr>
+        <p:spPr/>
         <p:txBody>
           <a:bodyPr/>
           <a:lstStyle/>
           <a:p>
             <a:r>
               <a:rPr lang="en-US" dirty="0" smtClean="0"/>
-              <a:t>Abundance Estimates</a:t>
+              <a:t>Common Abundance Estimates</a:t>
             </a:r>
             <a:endParaRPr lang="en-US" dirty="0"/>
           </a:p>
@@ -3684,59 +3632,90 @@
       </p:sp>
       <p:sp>
         <p:nvSpPr>
-          <p:cNvPr id="11" name="Rectangle 10"/>
-          <p:cNvSpPr/>
-          <p:nvPr/>
-        </p:nvSpPr>
-        <p:spPr>
-          <a:xfrm>
-            <a:off x="1447800" y="2667000"/>
-            <a:ext cx="1691640" cy="640080"/>
-          </a:xfrm>
-          <a:prstGeom prst="rect">
-            <a:avLst/>
-          </a:prstGeom>
-          <a:solidFill>
-            <a:srgbClr val="FFB8A7"/>
-          </a:solidFill>
-          <a:ln>
-            <a:solidFill>
-              <a:srgbClr val="FF0000"/>
-            </a:solidFill>
-          </a:ln>
-        </p:spPr>
-        <p:style>
-          <a:lnRef idx="2">
-            <a:schemeClr val="accent1">
-              <a:shade val="50000"/>
-            </a:schemeClr>
-          </a:lnRef>
-          <a:fillRef idx="1">
-            <a:schemeClr val="accent1"/>
-          </a:fillRef>
-          <a:effectRef idx="0">
-            <a:schemeClr val="accent1"/>
-          </a:effectRef>
-          <a:fontRef idx="minor">
-            <a:schemeClr val="lt1"/>
-          </a:fontRef>
-        </p:style>
-        <p:txBody>
-          <a:bodyPr rtlCol="0" anchor="ctr"/>
+          <p:cNvPr id="3" name="Content Placeholder 2"/>
+          <p:cNvSpPr>
+            <a:spLocks noGrp="1"/>
+          </p:cNvSpPr>
+          <p:nvPr>
+            <p:ph idx="1"/>
+          </p:nvPr>
+        </p:nvSpPr>
+        <p:spPr/>
+        <p:txBody>
+          <a:bodyPr/>
           <a:lstStyle/>
           <a:p>
-            <a:pPr algn="ctr"/>
-            <a:r>
-              <a:rPr lang="en-US" sz="2000" b="1" dirty="0" smtClean="0">
+            <a:r>
+              <a:rPr lang="en-US" dirty="0">
                 <a:solidFill>
-                  <a:srgbClr val="FF0000"/>
+                  <a:schemeClr val="bg1">
+                    <a:lumMod val="65000"/>
+                  </a:schemeClr>
                 </a:solidFill>
               </a:rPr>
-              <a:t>Recruitment</a:t>
-            </a:r>
-            <a:endParaRPr lang="en-US" b="1" dirty="0">
+              <a:t>CPE/CPUE (relative density)</a:t>
+            </a:r>
+          </a:p>
+          <a:p>
+            <a:endParaRPr lang="en-US" dirty="0" smtClean="0"/>
+          </a:p>
+          <a:p>
+            <a:r>
+              <a:rPr lang="en-US" dirty="0" smtClean="0"/>
+              <a:t>Depletion/Removal (</a:t>
+            </a:r>
+            <a:r>
+              <a:rPr lang="en-US" dirty="0"/>
+              <a:t>estimate of N</a:t>
+            </a:r>
+            <a:r>
+              <a:rPr lang="en-US" baseline="-25000" dirty="0"/>
+              <a:t>0</a:t>
+            </a:r>
+            <a:r>
+              <a:rPr lang="en-US" dirty="0" smtClean="0"/>
+              <a:t>)</a:t>
+            </a:r>
+          </a:p>
+          <a:p>
+            <a:endParaRPr lang="en-US" dirty="0"/>
+          </a:p>
+          <a:p>
+            <a:r>
+              <a:rPr lang="en-US" dirty="0">
+                <a:solidFill>
+                  <a:schemeClr val="bg1">
+                    <a:lumMod val="65000"/>
+                  </a:schemeClr>
+                </a:solidFill>
+              </a:rPr>
+              <a:t>Mark-Recapture (estimate of N</a:t>
+            </a:r>
+            <a:r>
+              <a:rPr lang="en-US" baseline="-25000" dirty="0">
+                <a:solidFill>
+                  <a:schemeClr val="bg1">
+                    <a:lumMod val="65000"/>
+                  </a:schemeClr>
+                </a:solidFill>
+              </a:rPr>
+              <a:t>0</a:t>
+            </a:r>
+            <a:r>
+              <a:rPr lang="en-US" dirty="0" smtClean="0">
+                <a:solidFill>
+                  <a:schemeClr val="bg1">
+                    <a:lumMod val="65000"/>
+                  </a:schemeClr>
+                </a:solidFill>
+              </a:rPr>
+              <a:t>)</a:t>
+            </a:r>
+            <a:endParaRPr lang="en-US" dirty="0">
               <a:solidFill>
-                <a:srgbClr val="FF0000"/>
+                <a:schemeClr val="bg1">
+                  <a:lumMod val="65000"/>
+                </a:schemeClr>
               </a:solidFill>
             </a:endParaRPr>
           </a:p>
@@ -3744,616 +3723,55 @@
       </p:sp>
       <p:sp>
         <p:nvSpPr>
-          <p:cNvPr id="12" name="Rectangle 11"/>
-          <p:cNvSpPr/>
-          <p:nvPr/>
-        </p:nvSpPr>
-        <p:spPr>
-          <a:xfrm>
-            <a:off x="1457739" y="4312920"/>
-            <a:ext cx="1691640" cy="640080"/>
-          </a:xfrm>
-          <a:prstGeom prst="rect">
-            <a:avLst/>
-          </a:prstGeom>
-          <a:solidFill>
-            <a:srgbClr val="FFB8A7"/>
-          </a:solidFill>
-          <a:ln>
-            <a:solidFill>
-              <a:srgbClr val="FF0000"/>
-            </a:solidFill>
-            <a:prstDash val="dash"/>
-          </a:ln>
-        </p:spPr>
-        <p:style>
-          <a:lnRef idx="2">
-            <a:schemeClr val="accent1">
-              <a:shade val="50000"/>
-            </a:schemeClr>
-          </a:lnRef>
-          <a:fillRef idx="1">
-            <a:schemeClr val="accent1"/>
-          </a:fillRef>
-          <a:effectRef idx="0">
-            <a:schemeClr val="accent1"/>
-          </a:effectRef>
-          <a:fontRef idx="minor">
-            <a:schemeClr val="lt1"/>
-          </a:fontRef>
-        </p:style>
-        <p:txBody>
-          <a:bodyPr rtlCol="0" anchor="ctr"/>
+          <p:cNvPr id="4" name="Footer Placeholder 3"/>
+          <p:cNvSpPr>
+            <a:spLocks noGrp="1"/>
+          </p:cNvSpPr>
+          <p:nvPr>
+            <p:ph type="ftr" sz="quarter" idx="10"/>
+          </p:nvPr>
+        </p:nvSpPr>
+        <p:spPr/>
+        <p:txBody>
+          <a:bodyPr/>
           <a:lstStyle/>
           <a:p>
-            <a:pPr algn="ctr"/>
-            <a:r>
-              <a:rPr lang="en-US" sz="2000" dirty="0" smtClean="0">
-                <a:solidFill>
-                  <a:srgbClr val="FF0000"/>
-                </a:solidFill>
-              </a:rPr>
-              <a:t>Immigration</a:t>
-            </a:r>
-            <a:endParaRPr lang="en-US" dirty="0">
-              <a:solidFill>
-                <a:srgbClr val="FF0000"/>
-              </a:solidFill>
-            </a:endParaRPr>
-          </a:p>
-        </p:txBody>
-      </p:sp>
-      <p:sp>
-        <p:nvSpPr>
-          <p:cNvPr id="16" name="Rectangle 15"/>
-          <p:cNvSpPr/>
-          <p:nvPr/>
-        </p:nvSpPr>
-        <p:spPr>
-          <a:xfrm>
-            <a:off x="6198705" y="2667000"/>
-            <a:ext cx="1691640" cy="640080"/>
-          </a:xfrm>
-          <a:prstGeom prst="rect">
-            <a:avLst/>
-          </a:prstGeom>
-          <a:solidFill>
-            <a:schemeClr val="bg2">
-              <a:lumMod val="40000"/>
-              <a:lumOff val="60000"/>
-            </a:schemeClr>
-          </a:solidFill>
-          <a:ln>
-            <a:solidFill>
-              <a:schemeClr val="tx1"/>
-            </a:solidFill>
-          </a:ln>
-        </p:spPr>
-        <p:style>
-          <a:lnRef idx="2">
-            <a:schemeClr val="accent1">
-              <a:shade val="50000"/>
-            </a:schemeClr>
-          </a:lnRef>
-          <a:fillRef idx="1">
-            <a:schemeClr val="accent1"/>
-          </a:fillRef>
-          <a:effectRef idx="0">
-            <a:schemeClr val="accent1"/>
-          </a:effectRef>
-          <a:fontRef idx="minor">
-            <a:schemeClr val="lt1"/>
-          </a:fontRef>
-        </p:style>
-        <p:txBody>
-          <a:bodyPr rtlCol="0" anchor="ctr"/>
+            <a:r>
+              <a:rPr lang="en-US" smtClean="0"/>
+              <a:t>Abundance</a:t>
+            </a:r>
+            <a:endParaRPr lang="en-US"/>
+          </a:p>
+        </p:txBody>
+      </p:sp>
+      <p:sp>
+        <p:nvSpPr>
+          <p:cNvPr id="5" name="Slide Number Placeholder 4"/>
+          <p:cNvSpPr>
+            <a:spLocks noGrp="1"/>
+          </p:cNvSpPr>
+          <p:nvPr>
+            <p:ph type="sldNum" sz="quarter" idx="11"/>
+          </p:nvPr>
+        </p:nvSpPr>
+        <p:spPr/>
+        <p:txBody>
+          <a:bodyPr/>
           <a:lstStyle/>
           <a:p>
-            <a:pPr algn="ctr"/>
-            <a:r>
-              <a:rPr lang="en-US" sz="2000" b="1" dirty="0" smtClean="0">
-                <a:solidFill>
-                  <a:schemeClr val="tx1"/>
-                </a:solidFill>
-              </a:rPr>
-              <a:t>Natural Mortality</a:t>
-            </a:r>
-            <a:endParaRPr lang="en-US" b="1" dirty="0">
-              <a:solidFill>
-                <a:schemeClr val="tx1"/>
-              </a:solidFill>
-            </a:endParaRPr>
-          </a:p>
-        </p:txBody>
-      </p:sp>
-      <p:sp>
-        <p:nvSpPr>
-          <p:cNvPr id="17" name="Rectangle 16"/>
-          <p:cNvSpPr/>
-          <p:nvPr/>
-        </p:nvSpPr>
-        <p:spPr>
-          <a:xfrm>
-            <a:off x="6182139" y="3505200"/>
-            <a:ext cx="1691640" cy="640080"/>
-          </a:xfrm>
-          <a:prstGeom prst="rect">
-            <a:avLst/>
-          </a:prstGeom>
-          <a:solidFill>
-            <a:schemeClr val="bg2">
-              <a:lumMod val="40000"/>
-              <a:lumOff val="60000"/>
-            </a:schemeClr>
-          </a:solidFill>
-          <a:ln>
-            <a:solidFill>
-              <a:schemeClr val="tx1"/>
-            </a:solidFill>
-          </a:ln>
-        </p:spPr>
-        <p:style>
-          <a:lnRef idx="2">
-            <a:schemeClr val="accent1">
-              <a:shade val="50000"/>
-            </a:schemeClr>
-          </a:lnRef>
-          <a:fillRef idx="1">
-            <a:schemeClr val="accent1"/>
-          </a:fillRef>
-          <a:effectRef idx="0">
-            <a:schemeClr val="accent1"/>
-          </a:effectRef>
-          <a:fontRef idx="minor">
-            <a:schemeClr val="lt1"/>
-          </a:fontRef>
-        </p:style>
-        <p:txBody>
-          <a:bodyPr rtlCol="0" anchor="ctr"/>
-          <a:lstStyle/>
-          <a:p>
-            <a:pPr algn="ctr"/>
-            <a:r>
-              <a:rPr lang="en-US" sz="2000" b="1" dirty="0" smtClean="0">
-                <a:solidFill>
-                  <a:schemeClr val="tx1"/>
-                </a:solidFill>
-              </a:rPr>
-              <a:t>Fishing Mortality</a:t>
-            </a:r>
-            <a:endParaRPr lang="en-US" sz="2000" b="1" dirty="0">
-              <a:solidFill>
-                <a:schemeClr val="tx1"/>
-              </a:solidFill>
-            </a:endParaRPr>
-          </a:p>
-        </p:txBody>
-      </p:sp>
-      <p:sp>
-        <p:nvSpPr>
-          <p:cNvPr id="18" name="Rectangle 17"/>
-          <p:cNvSpPr/>
-          <p:nvPr/>
-        </p:nvSpPr>
-        <p:spPr>
-          <a:xfrm>
-            <a:off x="6208644" y="4312920"/>
-            <a:ext cx="1691640" cy="640080"/>
-          </a:xfrm>
-          <a:prstGeom prst="rect">
-            <a:avLst/>
-          </a:prstGeom>
-          <a:solidFill>
-            <a:schemeClr val="bg2">
-              <a:lumMod val="40000"/>
-              <a:lumOff val="60000"/>
-            </a:schemeClr>
-          </a:solidFill>
-          <a:ln>
-            <a:solidFill>
-              <a:schemeClr val="tx1"/>
-            </a:solidFill>
-            <a:prstDash val="dash"/>
-          </a:ln>
-        </p:spPr>
-        <p:style>
-          <a:lnRef idx="2">
-            <a:schemeClr val="accent1">
-              <a:shade val="50000"/>
-            </a:schemeClr>
-          </a:lnRef>
-          <a:fillRef idx="1">
-            <a:schemeClr val="accent1"/>
-          </a:fillRef>
-          <a:effectRef idx="0">
-            <a:schemeClr val="accent1"/>
-          </a:effectRef>
-          <a:fontRef idx="minor">
-            <a:schemeClr val="lt1"/>
-          </a:fontRef>
-        </p:style>
-        <p:txBody>
-          <a:bodyPr rtlCol="0" anchor="ctr"/>
-          <a:lstStyle/>
-          <a:p>
-            <a:pPr algn="ctr"/>
-            <a:r>
-              <a:rPr lang="en-US" sz="2000" dirty="0" smtClean="0">
-                <a:solidFill>
-                  <a:schemeClr val="tx1"/>
-                </a:solidFill>
-              </a:rPr>
-              <a:t>Emigration</a:t>
-            </a:r>
-            <a:endParaRPr lang="en-US" dirty="0">
-              <a:solidFill>
-                <a:schemeClr val="tx1"/>
-              </a:solidFill>
-            </a:endParaRPr>
-          </a:p>
-        </p:txBody>
-      </p:sp>
-      <p:cxnSp>
-        <p:nvCxnSpPr>
-          <p:cNvPr id="9" name="Straight Arrow Connector 8"/>
-          <p:cNvCxnSpPr>
-            <a:stCxn id="11" idx="3"/>
-          </p:cNvCxnSpPr>
-          <p:nvPr/>
-        </p:nvCxnSpPr>
-        <p:spPr>
-          <a:xfrm>
-            <a:off x="3139440" y="2987040"/>
-            <a:ext cx="528099" cy="634116"/>
-          </a:xfrm>
-          <a:prstGeom prst="straightConnector1">
-            <a:avLst/>
-          </a:prstGeom>
-          <a:ln w="50800" cap="flat">
-            <a:solidFill>
-              <a:srgbClr val="FF0000"/>
-            </a:solidFill>
-            <a:round/>
-            <a:tailEnd type="stealth" w="lg" len="lg"/>
-          </a:ln>
-        </p:spPr>
-        <p:style>
-          <a:lnRef idx="1">
-            <a:schemeClr val="accent1"/>
-          </a:lnRef>
-          <a:fillRef idx="0">
-            <a:schemeClr val="accent1"/>
-          </a:fillRef>
-          <a:effectRef idx="0">
-            <a:schemeClr val="accent1"/>
-          </a:effectRef>
-          <a:fontRef idx="minor">
-            <a:schemeClr val="tx1"/>
-          </a:fontRef>
-        </p:style>
-      </p:cxnSp>
-      <p:cxnSp>
-        <p:nvCxnSpPr>
-          <p:cNvPr id="10" name="Straight Arrow Connector 9"/>
-          <p:cNvCxnSpPr/>
-          <p:nvPr/>
-        </p:nvCxnSpPr>
-        <p:spPr>
-          <a:xfrm flipV="1">
-            <a:off x="3149379" y="4078356"/>
-            <a:ext cx="518160" cy="554604"/>
-          </a:xfrm>
-          <a:prstGeom prst="straightConnector1">
-            <a:avLst/>
-          </a:prstGeom>
-          <a:ln w="50800" cap="flat">
-            <a:solidFill>
-              <a:srgbClr val="FF0000"/>
-            </a:solidFill>
-            <a:round/>
-            <a:tailEnd type="stealth" w="lg" len="lg"/>
-          </a:ln>
-        </p:spPr>
-        <p:style>
-          <a:lnRef idx="1">
-            <a:schemeClr val="accent1"/>
-          </a:lnRef>
-          <a:fillRef idx="0">
-            <a:schemeClr val="accent1"/>
-          </a:fillRef>
-          <a:effectRef idx="0">
-            <a:schemeClr val="accent1"/>
-          </a:effectRef>
-          <a:fontRef idx="minor">
-            <a:schemeClr val="tx1"/>
-          </a:fontRef>
-        </p:style>
-      </p:cxnSp>
-      <p:cxnSp>
-        <p:nvCxnSpPr>
-          <p:cNvPr id="13" name="Straight Arrow Connector 12"/>
-          <p:cNvCxnSpPr>
-            <a:endCxn id="16" idx="1"/>
-          </p:cNvCxnSpPr>
-          <p:nvPr/>
-        </p:nvCxnSpPr>
-        <p:spPr>
-          <a:xfrm flipV="1">
-            <a:off x="5506278" y="2987040"/>
-            <a:ext cx="692427" cy="634116"/>
-          </a:xfrm>
-          <a:prstGeom prst="straightConnector1">
-            <a:avLst/>
-          </a:prstGeom>
-          <a:ln w="50800" cap="flat">
-            <a:solidFill>
-              <a:schemeClr val="tx1">
-                <a:lumMod val="75000"/>
-                <a:lumOff val="25000"/>
-              </a:schemeClr>
-            </a:solidFill>
-            <a:round/>
-            <a:tailEnd type="stealth" w="lg" len="lg"/>
-          </a:ln>
-        </p:spPr>
-        <p:style>
-          <a:lnRef idx="1">
-            <a:schemeClr val="accent1"/>
-          </a:lnRef>
-          <a:fillRef idx="0">
-            <a:schemeClr val="accent1"/>
-          </a:fillRef>
-          <a:effectRef idx="0">
-            <a:schemeClr val="accent1"/>
-          </a:effectRef>
-          <a:fontRef idx="minor">
-            <a:schemeClr val="tx1"/>
-          </a:fontRef>
-        </p:style>
-      </p:cxnSp>
-      <p:cxnSp>
-        <p:nvCxnSpPr>
-          <p:cNvPr id="14" name="Straight Arrow Connector 13"/>
-          <p:cNvCxnSpPr>
-            <a:endCxn id="17" idx="1"/>
-          </p:cNvCxnSpPr>
-          <p:nvPr/>
-        </p:nvCxnSpPr>
-        <p:spPr>
-          <a:xfrm>
-            <a:off x="5506278" y="3810000"/>
-            <a:ext cx="675861" cy="15240"/>
-          </a:xfrm>
-          <a:prstGeom prst="straightConnector1">
-            <a:avLst/>
-          </a:prstGeom>
-          <a:ln w="50800" cap="flat">
-            <a:solidFill>
-              <a:schemeClr val="tx1">
-                <a:lumMod val="75000"/>
-                <a:lumOff val="25000"/>
-              </a:schemeClr>
-            </a:solidFill>
-            <a:round/>
-            <a:tailEnd type="stealth" w="lg" len="lg"/>
-          </a:ln>
-        </p:spPr>
-        <p:style>
-          <a:lnRef idx="1">
-            <a:schemeClr val="accent1"/>
-          </a:lnRef>
-          <a:fillRef idx="0">
-            <a:schemeClr val="accent1"/>
-          </a:fillRef>
-          <a:effectRef idx="0">
-            <a:schemeClr val="accent1"/>
-          </a:effectRef>
-          <a:fontRef idx="minor">
-            <a:schemeClr val="tx1"/>
-          </a:fontRef>
-        </p:style>
-      </p:cxnSp>
-      <p:cxnSp>
-        <p:nvCxnSpPr>
-          <p:cNvPr id="15" name="Straight Arrow Connector 14"/>
-          <p:cNvCxnSpPr>
-            <a:endCxn id="18" idx="1"/>
-          </p:cNvCxnSpPr>
-          <p:nvPr/>
-        </p:nvCxnSpPr>
-        <p:spPr>
-          <a:xfrm>
-            <a:off x="5506278" y="4095054"/>
-            <a:ext cx="702366" cy="537906"/>
-          </a:xfrm>
-          <a:prstGeom prst="straightConnector1">
-            <a:avLst/>
-          </a:prstGeom>
-          <a:ln w="50800" cap="flat">
-            <a:solidFill>
-              <a:schemeClr val="tx1">
-                <a:lumMod val="75000"/>
-                <a:lumOff val="25000"/>
-              </a:schemeClr>
-            </a:solidFill>
-            <a:round/>
-            <a:tailEnd type="stealth" w="lg" len="lg"/>
-          </a:ln>
-        </p:spPr>
-        <p:style>
-          <a:lnRef idx="1">
-            <a:schemeClr val="accent1"/>
-          </a:lnRef>
-          <a:fillRef idx="0">
-            <a:schemeClr val="accent1"/>
-          </a:fillRef>
-          <a:effectRef idx="0">
-            <a:schemeClr val="accent1"/>
-          </a:effectRef>
-          <a:fontRef idx="minor">
-            <a:schemeClr val="tx1"/>
-          </a:fontRef>
-        </p:style>
-      </p:cxnSp>
-      <p:sp>
-        <p:nvSpPr>
-          <p:cNvPr id="3" name="Rectangle 2"/>
-          <p:cNvSpPr/>
-          <p:nvPr/>
-        </p:nvSpPr>
-        <p:spPr>
-          <a:xfrm>
-            <a:off x="1143000" y="2362200"/>
-            <a:ext cx="7162800" cy="3048000"/>
-          </a:xfrm>
-          <a:prstGeom prst="rect">
-            <a:avLst/>
-          </a:prstGeom>
-          <a:solidFill>
-            <a:schemeClr val="accent2">
-              <a:lumMod val="20000"/>
-              <a:lumOff val="80000"/>
-              <a:alpha val="80000"/>
-            </a:schemeClr>
-          </a:solidFill>
-        </p:spPr>
-        <p:style>
-          <a:lnRef idx="2">
-            <a:schemeClr val="accent1">
-              <a:shade val="50000"/>
-            </a:schemeClr>
-          </a:lnRef>
-          <a:fillRef idx="1">
-            <a:schemeClr val="accent1"/>
-          </a:fillRef>
-          <a:effectRef idx="0">
-            <a:schemeClr val="accent1"/>
-          </a:effectRef>
-          <a:fontRef idx="minor">
-            <a:schemeClr val="lt1"/>
-          </a:fontRef>
-        </p:style>
-        <p:txBody>
-          <a:bodyPr rtlCol="0" anchor="ctr"/>
-          <a:lstStyle/>
-          <a:p>
-            <a:pPr algn="ctr"/>
+            <a:fld id="{8B8D0034-34A8-4F4F-AD0F-588093AE7929}" type="slidenum">
+              <a:rPr lang="en-US" smtClean="0"/>
+              <a:pPr/>
+              <a:t>1</a:t>
+            </a:fld>
             <a:endParaRPr lang="en-US"/>
-          </a:p>
-        </p:txBody>
-      </p:sp>
-      <p:sp useBgFill="1">
-        <p:nvSpPr>
-          <p:cNvPr id="2" name="Oval 1"/>
-          <p:cNvSpPr/>
-          <p:nvPr/>
-        </p:nvSpPr>
-        <p:spPr>
-          <a:xfrm>
-            <a:off x="3276600" y="2819400"/>
-            <a:ext cx="2580861" cy="1965960"/>
-          </a:xfrm>
-          <a:prstGeom prst="ellipse">
-            <a:avLst/>
-          </a:prstGeom>
-          <a:ln w="50800">
-            <a:solidFill>
-              <a:schemeClr val="tx1"/>
-            </a:solidFill>
-          </a:ln>
-        </p:spPr>
-        <p:style>
-          <a:lnRef idx="2">
-            <a:schemeClr val="accent1">
-              <a:shade val="50000"/>
-            </a:schemeClr>
-          </a:lnRef>
-          <a:fillRef idx="1">
-            <a:schemeClr val="accent1"/>
-          </a:fillRef>
-          <a:effectRef idx="0">
-            <a:schemeClr val="accent1"/>
-          </a:effectRef>
-          <a:fontRef idx="minor">
-            <a:schemeClr val="lt1"/>
-          </a:fontRef>
-        </p:style>
-        <p:txBody>
-          <a:bodyPr rtlCol="0" anchor="ctr"/>
-          <a:lstStyle/>
-          <a:p>
-            <a:pPr algn="ctr"/>
-            <a:endParaRPr lang="en-US"/>
-          </a:p>
-        </p:txBody>
-      </p:sp>
-      <p:sp>
-        <p:nvSpPr>
-          <p:cNvPr id="8" name="Rectangle 7"/>
-          <p:cNvSpPr/>
-          <p:nvPr/>
-        </p:nvSpPr>
-        <p:spPr>
-          <a:xfrm>
-            <a:off x="3667539" y="3352800"/>
-            <a:ext cx="1828800" cy="914400"/>
-          </a:xfrm>
-          <a:prstGeom prst="rect">
-            <a:avLst/>
-          </a:prstGeom>
-        </p:spPr>
-        <p:style>
-          <a:lnRef idx="2">
-            <a:schemeClr val="accent1">
-              <a:shade val="50000"/>
-            </a:schemeClr>
-          </a:lnRef>
-          <a:fillRef idx="1">
-            <a:schemeClr val="accent1"/>
-          </a:fillRef>
-          <a:effectRef idx="0">
-            <a:schemeClr val="accent1"/>
-          </a:effectRef>
-          <a:fontRef idx="minor">
-            <a:schemeClr val="lt1"/>
-          </a:fontRef>
-        </p:style>
-        <p:txBody>
-          <a:bodyPr rtlCol="0" anchor="ctr"/>
-          <a:lstStyle/>
-          <a:p>
-            <a:pPr algn="ctr"/>
-            <a:r>
-              <a:rPr lang="en-US" sz="2400" b="1" dirty="0" smtClean="0">
-                <a:solidFill>
-                  <a:schemeClr val="accent6"/>
-                </a:solidFill>
-              </a:rPr>
-              <a:t>Population</a:t>
-            </a:r>
-          </a:p>
-          <a:p>
-            <a:pPr algn="ctr"/>
-            <a:r>
-              <a:rPr lang="en-US" sz="2400" b="1" dirty="0" smtClean="0">
-                <a:solidFill>
-                  <a:schemeClr val="accent6"/>
-                </a:solidFill>
-              </a:rPr>
-              <a:t>Numbers</a:t>
-            </a:r>
-            <a:endParaRPr lang="en-US" sz="2400" b="1" dirty="0">
-              <a:solidFill>
-                <a:schemeClr val="accent6"/>
-              </a:solidFill>
-            </a:endParaRPr>
           </a:p>
         </p:txBody>
       </p:sp>
     </p:spTree>
     <p:extLst>
       <p:ext uri="{BB962C8B-B14F-4D97-AF65-F5344CB8AC3E}">
-        <p14:creationId xmlns:p14="http://schemas.microsoft.com/office/powerpoint/2010/main" val="225165081"/>
+        <p14:creationId xmlns:p14="http://schemas.microsoft.com/office/powerpoint/2010/main" val="1173386501"/>
       </p:ext>
     </p:extLst>
   </p:cSld>
@@ -4363,133 +3781,9 @@
   <p:timing>
     <p:tnLst>
       <p:par>
-        <p:cTn id="1" dur="indefinite" restart="never" nodeType="tmRoot">
-          <p:childTnLst>
-            <p:seq concurrent="1" nextAc="seek">
-              <p:cTn id="2" dur="indefinite" nodeType="mainSeq">
-                <p:childTnLst>
-                  <p:par>
-                    <p:cTn id="3" fill="hold">
-                      <p:stCondLst>
-                        <p:cond delay="indefinite"/>
-                      </p:stCondLst>
-                      <p:childTnLst>
-                        <p:par>
-                          <p:cTn id="4" fill="hold">
-                            <p:stCondLst>
-                              <p:cond delay="0"/>
-                            </p:stCondLst>
-                            <p:childTnLst>
-                              <p:par>
-                                <p:cTn id="5" presetID="10" presetClass="entr" presetSubtype="0" fill="hold" grpId="0" nodeType="clickEffect">
-                                  <p:stCondLst>
-                                    <p:cond delay="0"/>
-                                  </p:stCondLst>
-                                  <p:childTnLst>
-                                    <p:set>
-                                      <p:cBhvr>
-                                        <p:cTn id="6" dur="1" fill="hold">
-                                          <p:stCondLst>
-                                            <p:cond delay="0"/>
-                                          </p:stCondLst>
-                                        </p:cTn>
-                                        <p:tgtEl>
-                                          <p:spTgt spid="3"/>
-                                        </p:tgtEl>
-                                        <p:attrNameLst>
-                                          <p:attrName>style.visibility</p:attrName>
-                                        </p:attrNameLst>
-                                      </p:cBhvr>
-                                      <p:to>
-                                        <p:strVal val="visible"/>
-                                      </p:to>
-                                    </p:set>
-                                    <p:animEffect transition="in" filter="fade">
-                                      <p:cBhvr>
-                                        <p:cTn id="7" dur="500"/>
-                                        <p:tgtEl>
-                                          <p:spTgt spid="3"/>
-                                        </p:tgtEl>
-                                      </p:cBhvr>
-                                    </p:animEffect>
-                                  </p:childTnLst>
-                                </p:cTn>
-                              </p:par>
-                            </p:childTnLst>
-                          </p:cTn>
-                        </p:par>
-                        <p:par>
-                          <p:cTn id="8" fill="hold">
-                            <p:stCondLst>
-                              <p:cond delay="500"/>
-                            </p:stCondLst>
-                            <p:childTnLst>
-                              <p:par>
-                                <p:cTn id="9" presetID="10" presetClass="entr" presetSubtype="0" fill="hold" grpId="0" nodeType="afterEffect">
-                                  <p:stCondLst>
-                                    <p:cond delay="0"/>
-                                  </p:stCondLst>
-                                  <p:childTnLst>
-                                    <p:set>
-                                      <p:cBhvr>
-                                        <p:cTn id="10" dur="1" fill="hold">
-                                          <p:stCondLst>
-                                            <p:cond delay="0"/>
-                                          </p:stCondLst>
-                                        </p:cTn>
-                                        <p:tgtEl>
-                                          <p:spTgt spid="2"/>
-                                        </p:tgtEl>
-                                        <p:attrNameLst>
-                                          <p:attrName>style.visibility</p:attrName>
-                                        </p:attrNameLst>
-                                      </p:cBhvr>
-                                      <p:to>
-                                        <p:strVal val="visible"/>
-                                      </p:to>
-                                    </p:set>
-                                    <p:animEffect transition="in" filter="fade">
-                                      <p:cBhvr>
-                                        <p:cTn id="11" dur="500"/>
-                                        <p:tgtEl>
-                                          <p:spTgt spid="2"/>
-                                        </p:tgtEl>
-                                      </p:cBhvr>
-                                    </p:animEffect>
-                                  </p:childTnLst>
-                                </p:cTn>
-                              </p:par>
-                            </p:childTnLst>
-                          </p:cTn>
-                        </p:par>
-                      </p:childTnLst>
-                    </p:cTn>
-                  </p:par>
-                </p:childTnLst>
-              </p:cTn>
-              <p:prevCondLst>
-                <p:cond evt="onPrev" delay="0">
-                  <p:tgtEl>
-                    <p:sldTgt/>
-                  </p:tgtEl>
-                </p:cond>
-              </p:prevCondLst>
-              <p:nextCondLst>
-                <p:cond evt="onNext" delay="0">
-                  <p:tgtEl>
-                    <p:sldTgt/>
-                  </p:tgtEl>
-                </p:cond>
-              </p:nextCondLst>
-            </p:seq>
-          </p:childTnLst>
-        </p:cTn>
+        <p:cTn id="1" dur="indefinite" restart="never" nodeType="tmRoot"/>
       </p:par>
     </p:tnLst>
-    <p:bldLst>
-      <p:bldP spid="3" grpId="0" animBg="1"/>
-      <p:bldP spid="2" grpId="0" animBg="1"/>
-    </p:bldLst>
   </p:timing>
 </p:sld>
 </file>
@@ -4528,7 +3822,7 @@
           <a:p>
             <a:r>
               <a:rPr lang="en-US" dirty="0" smtClean="0"/>
-              <a:t>Common Abundance Estimates</a:t>
+              <a:t>Concept – Depletion Estimate</a:t>
             </a:r>
             <a:endParaRPr lang="en-US" dirty="0"/>
           </a:p>
@@ -4550,78 +3844,64 @@
           <a:lstStyle/>
           <a:p>
             <a:r>
-              <a:rPr lang="en-US" dirty="0">
-                <a:solidFill>
-                  <a:schemeClr val="bg1">
-                    <a:lumMod val="65000"/>
-                  </a:schemeClr>
-                </a:solidFill>
-              </a:rPr>
-              <a:t>CPE/CPUE (relative density)</a:t>
-            </a:r>
-          </a:p>
-          <a:p>
+              <a:rPr lang="en-US" dirty="0" smtClean="0"/>
+              <a:t>Consider this situation …</a:t>
+            </a:r>
+          </a:p>
+          <a:p>
+            <a:pPr lvl="1"/>
+            <a:r>
+              <a:rPr lang="en-US" dirty="0" smtClean="0"/>
+              <a:t>Sampling a pond with three </a:t>
+            </a:r>
+            <a:r>
+              <a:rPr lang="en-US" dirty="0" err="1" smtClean="0"/>
+              <a:t>fyke</a:t>
+            </a:r>
+            <a:r>
+              <a:rPr lang="en-US" dirty="0" smtClean="0"/>
+              <a:t> nets</a:t>
+            </a:r>
+          </a:p>
+          <a:p>
+            <a:pPr lvl="1"/>
+            <a:r>
+              <a:rPr lang="en-US" dirty="0" smtClean="0"/>
+              <a:t>No limit on number of sampling events (days)</a:t>
+            </a:r>
+          </a:p>
+          <a:p>
+            <a:pPr lvl="1"/>
+            <a:r>
+              <a:rPr lang="en-US" dirty="0" smtClean="0"/>
+              <a:t>Fish are removed from pond when captured</a:t>
+            </a:r>
+          </a:p>
+          <a:p>
+            <a:pPr lvl="1"/>
+            <a:r>
+              <a:rPr lang="en-US" dirty="0" smtClean="0"/>
+              <a:t>Compute CPE as … total fish/day</a:t>
+            </a:r>
+          </a:p>
+          <a:p>
+            <a:pPr lvl="1"/>
+            <a:r>
+              <a:rPr lang="en-US" dirty="0" smtClean="0"/>
+              <a:t>Compute cumulative catch prior to each day</a:t>
+            </a:r>
+          </a:p>
+          <a:p>
+            <a:pPr lvl="1"/>
             <a:endParaRPr lang="en-US" dirty="0" smtClean="0"/>
           </a:p>
           <a:p>
+            <a:pPr lvl="1"/>
             <a:r>
               <a:rPr lang="en-US" dirty="0" smtClean="0"/>
-              <a:t>Depletion/Removal (</a:t>
-            </a:r>
-            <a:r>
-              <a:rPr lang="en-US" dirty="0"/>
-              <a:t>estimate of N</a:t>
-            </a:r>
-            <a:r>
-              <a:rPr lang="en-US" baseline="-25000" dirty="0"/>
-              <a:t>0</a:t>
-            </a:r>
-            <a:r>
-              <a:rPr lang="en-US" dirty="0" smtClean="0"/>
-              <a:t>)</a:t>
-            </a:r>
-          </a:p>
-          <a:p>
+              <a:t>What would the following graph look like?</a:t>
+            </a:r>
             <a:endParaRPr lang="en-US" dirty="0"/>
-          </a:p>
-          <a:p>
-            <a:r>
-              <a:rPr lang="en-US" dirty="0">
-                <a:solidFill>
-                  <a:schemeClr val="bg1">
-                    <a:lumMod val="65000"/>
-                  </a:schemeClr>
-                </a:solidFill>
-              </a:rPr>
-              <a:t>Mark-Recapture (estimate of N</a:t>
-            </a:r>
-            <a:r>
-              <a:rPr lang="en-US" baseline="-25000" dirty="0">
-                <a:solidFill>
-                  <a:schemeClr val="bg1">
-                    <a:lumMod val="65000"/>
-                  </a:schemeClr>
-                </a:solidFill>
-              </a:rPr>
-              <a:t>0</a:t>
-            </a:r>
-            <a:r>
-              <a:rPr lang="en-US" dirty="0" smtClean="0">
-                <a:solidFill>
-                  <a:schemeClr val="bg1">
-                    <a:lumMod val="65000"/>
-                  </a:schemeClr>
-                </a:solidFill>
-              </a:rPr>
-              <a:t>)</a:t>
-            </a:r>
-            <a:endParaRPr lang="en-US" dirty="0">
-              <a:solidFill>
-                <a:schemeClr val="bg1">
-                  <a:lumMod val="65000"/>
-                </a:schemeClr>
-              </a:solidFill>
-            </a:endParaRPr>
           </a:p>
         </p:txBody>
       </p:sp>
@@ -4663,194 +3943,10 @@
           <a:bodyPr/>
           <a:lstStyle/>
           <a:p>
-            <a:fld id="{8B8D0034-34A8-4F4F-AD0F-588093AE7929}" type="slidenum">
+            <a:fld id="{1885BB51-0796-4632-BDB9-6CE403630838}" type="slidenum">
               <a:rPr lang="en-US" smtClean="0"/>
               <a:pPr/>
               <a:t>2</a:t>
-            </a:fld>
-            <a:endParaRPr lang="en-US"/>
-          </a:p>
-        </p:txBody>
-      </p:sp>
-    </p:spTree>
-    <p:extLst>
-      <p:ext uri="{BB962C8B-B14F-4D97-AF65-F5344CB8AC3E}">
-        <p14:creationId xmlns:p14="http://schemas.microsoft.com/office/powerpoint/2010/main" val="1173386501"/>
-      </p:ext>
-    </p:extLst>
-  </p:cSld>
-  <p:clrMapOvr>
-    <a:masterClrMapping/>
-  </p:clrMapOvr>
-  <p:timing>
-    <p:tnLst>
-      <p:par>
-        <p:cTn id="1" dur="indefinite" restart="never" nodeType="tmRoot"/>
-      </p:par>
-    </p:tnLst>
-  </p:timing>
-</p:sld>
-</file>
-
-<file path=ppt/slides/slide3.xml><?xml version="1.0" encoding="utf-8"?>
-<p:sld xmlns:a="http://schemas.openxmlformats.org/drawingml/2006/main" xmlns:r="http://schemas.openxmlformats.org/officeDocument/2006/relationships" xmlns:p="http://schemas.openxmlformats.org/presentationml/2006/main">
-  <p:cSld>
-    <p:spTree>
-      <p:nvGrpSpPr>
-        <p:cNvPr id="1" name=""/>
-        <p:cNvGrpSpPr/>
-        <p:nvPr/>
-      </p:nvGrpSpPr>
-      <p:grpSpPr>
-        <a:xfrm>
-          <a:off x="0" y="0"/>
-          <a:ext cx="0" cy="0"/>
-          <a:chOff x="0" y="0"/>
-          <a:chExt cx="0" cy="0"/>
-        </a:xfrm>
-      </p:grpSpPr>
-      <p:sp>
-        <p:nvSpPr>
-          <p:cNvPr id="2" name="Title 1"/>
-          <p:cNvSpPr>
-            <a:spLocks noGrp="1"/>
-          </p:cNvSpPr>
-          <p:nvPr>
-            <p:ph type="title"/>
-          </p:nvPr>
-        </p:nvSpPr>
-        <p:spPr/>
-        <p:txBody>
-          <a:bodyPr/>
-          <a:lstStyle/>
-          <a:p>
-            <a:r>
-              <a:rPr lang="en-US" dirty="0" smtClean="0"/>
-              <a:t>Concept – Depletion Estimate</a:t>
-            </a:r>
-            <a:endParaRPr lang="en-US" dirty="0"/>
-          </a:p>
-        </p:txBody>
-      </p:sp>
-      <p:sp>
-        <p:nvSpPr>
-          <p:cNvPr id="3" name="Content Placeholder 2"/>
-          <p:cNvSpPr>
-            <a:spLocks noGrp="1"/>
-          </p:cNvSpPr>
-          <p:nvPr>
-            <p:ph idx="1"/>
-          </p:nvPr>
-        </p:nvSpPr>
-        <p:spPr/>
-        <p:txBody>
-          <a:bodyPr/>
-          <a:lstStyle/>
-          <a:p>
-            <a:r>
-              <a:rPr lang="en-US" dirty="0" smtClean="0"/>
-              <a:t>Consider this situation …</a:t>
-            </a:r>
-          </a:p>
-          <a:p>
-            <a:pPr lvl="1"/>
-            <a:r>
-              <a:rPr lang="en-US" dirty="0" smtClean="0"/>
-              <a:t>Sampling a pond with three </a:t>
-            </a:r>
-            <a:r>
-              <a:rPr lang="en-US" dirty="0" err="1" smtClean="0"/>
-              <a:t>fyke</a:t>
-            </a:r>
-            <a:r>
-              <a:rPr lang="en-US" dirty="0" smtClean="0"/>
-              <a:t> nets</a:t>
-            </a:r>
-          </a:p>
-          <a:p>
-            <a:pPr lvl="1"/>
-            <a:r>
-              <a:rPr lang="en-US" dirty="0" smtClean="0"/>
-              <a:t>No limit on number of sampling events (days)</a:t>
-            </a:r>
-          </a:p>
-          <a:p>
-            <a:pPr lvl="1"/>
-            <a:r>
-              <a:rPr lang="en-US" dirty="0" smtClean="0"/>
-              <a:t>Fish are removed from pond when captured</a:t>
-            </a:r>
-          </a:p>
-          <a:p>
-            <a:pPr lvl="1"/>
-            <a:r>
-              <a:rPr lang="en-US" dirty="0" smtClean="0"/>
-              <a:t>Compute CPE as … total fish/day</a:t>
-            </a:r>
-          </a:p>
-          <a:p>
-            <a:pPr lvl="1"/>
-            <a:r>
-              <a:rPr lang="en-US" dirty="0" smtClean="0"/>
-              <a:t>Compute cumulative catch prior to each day</a:t>
-            </a:r>
-          </a:p>
-          <a:p>
-            <a:pPr lvl="1"/>
-            <a:endParaRPr lang="en-US" dirty="0" smtClean="0"/>
-          </a:p>
-          <a:p>
-            <a:pPr lvl="1"/>
-            <a:r>
-              <a:rPr lang="en-US" dirty="0" smtClean="0"/>
-              <a:t>What would the following graph look like?</a:t>
-            </a:r>
-            <a:endParaRPr lang="en-US" dirty="0"/>
-          </a:p>
-        </p:txBody>
-      </p:sp>
-      <p:sp>
-        <p:nvSpPr>
-          <p:cNvPr id="4" name="Footer Placeholder 3"/>
-          <p:cNvSpPr>
-            <a:spLocks noGrp="1"/>
-          </p:cNvSpPr>
-          <p:nvPr>
-            <p:ph type="ftr" sz="quarter" idx="10"/>
-          </p:nvPr>
-        </p:nvSpPr>
-        <p:spPr/>
-        <p:txBody>
-          <a:bodyPr/>
-          <a:lstStyle/>
-          <a:p>
-            <a:r>
-              <a:rPr lang="en-US" smtClean="0"/>
-              <a:t>Abundance</a:t>
-            </a:r>
-            <a:endParaRPr lang="en-US"/>
-          </a:p>
-        </p:txBody>
-      </p:sp>
-      <p:sp>
-        <p:nvSpPr>
-          <p:cNvPr id="5" name="Slide Number Placeholder 4"/>
-          <p:cNvSpPr>
-            <a:spLocks noGrp="1"/>
-          </p:cNvSpPr>
-          <p:nvPr>
-            <p:ph type="sldNum" sz="quarter" idx="11"/>
-          </p:nvPr>
-        </p:nvSpPr>
-        <p:spPr/>
-        <p:txBody>
-          <a:bodyPr/>
-          <a:lstStyle/>
-          <a:p>
-            <a:fld id="{1885BB51-0796-4632-BDB9-6CE403630838}" type="slidenum">
-              <a:rPr lang="en-US" smtClean="0"/>
-              <a:pPr/>
-              <a:t>3</a:t>
             </a:fld>
             <a:endParaRPr lang="en-US"/>
           </a:p>
@@ -5049,7 +4145,7 @@
 </p:sld>
 </file>
 
-<file path=ppt/slides/slide4.xml><?xml version="1.0" encoding="utf-8"?>
+<file path=ppt/slides/slide3.xml><?xml version="1.0" encoding="utf-8"?>
 <p:sld xmlns:a="http://schemas.openxmlformats.org/drawingml/2006/main" xmlns:r="http://schemas.openxmlformats.org/officeDocument/2006/relationships" xmlns:p="http://schemas.openxmlformats.org/presentationml/2006/main">
   <p:cSld>
     <p:spTree>
@@ -5129,7 +4225,7 @@
             <a:fld id="{1885BB51-0796-4632-BDB9-6CE403630838}" type="slidenum">
               <a:rPr lang="en-US" smtClean="0"/>
               <a:pPr/>
-              <a:t>4</a:t>
+              <a:t>3</a:t>
             </a:fld>
             <a:endParaRPr lang="en-US"/>
           </a:p>
@@ -5188,7 +4284,7 @@
 </p:sld>
 </file>
 
-<file path=ppt/slides/slide5.xml><?xml version="1.0" encoding="utf-8"?>
+<file path=ppt/slides/slide4.xml><?xml version="1.0" encoding="utf-8"?>
 <p:sld xmlns:a="http://schemas.openxmlformats.org/drawingml/2006/main" xmlns:r="http://schemas.openxmlformats.org/officeDocument/2006/relationships" xmlns:p="http://schemas.openxmlformats.org/presentationml/2006/main">
   <p:cSld>
     <p:spTree>
@@ -5391,7 +4487,7 @@
             <a:fld id="{1885BB51-0796-4632-BDB9-6CE403630838}" type="slidenum">
               <a:rPr lang="en-US" smtClean="0"/>
               <a:pPr/>
-              <a:t>5</a:t>
+              <a:t>4</a:t>
             </a:fld>
             <a:endParaRPr lang="en-US"/>
           </a:p>
@@ -5808,7 +4904,7 @@
 </p:sld>
 </file>
 
-<file path=ppt/slides/slide6.xml><?xml version="1.0" encoding="utf-8"?>
+<file path=ppt/slides/slide5.xml><?xml version="1.0" encoding="utf-8"?>
 <p:sld xmlns:a="http://schemas.openxmlformats.org/drawingml/2006/main" xmlns:r="http://schemas.openxmlformats.org/officeDocument/2006/relationships" xmlns:p="http://schemas.openxmlformats.org/presentationml/2006/main">
   <p:cSld>
     <p:spTree>
@@ -5888,7 +4984,7 @@
             <a:fld id="{1885BB51-0796-4632-BDB9-6CE403630838}" type="slidenum">
               <a:rPr lang="en-US" smtClean="0"/>
               <a:pPr/>
-              <a:t>6</a:t>
+              <a:t>5</a:t>
             </a:fld>
             <a:endParaRPr lang="en-US"/>
           </a:p>
@@ -6205,7 +5301,7 @@
 </p:sld>
 </file>
 
-<file path=ppt/slides/slide7.xml><?xml version="1.0" encoding="utf-8"?>
+<file path=ppt/slides/slide6.xml><?xml version="1.0" encoding="utf-8"?>
 <p:sld xmlns:a="http://schemas.openxmlformats.org/drawingml/2006/main" xmlns:r="http://schemas.openxmlformats.org/officeDocument/2006/relationships" xmlns:p="http://schemas.openxmlformats.org/presentationml/2006/main">
   <p:cSld>
     <p:spTree>
@@ -6286,7 +5382,7 @@
             <a:fld id="{1885BB51-0796-4632-BDB9-6CE403630838}" type="slidenum">
               <a:rPr lang="en-US" smtClean="0"/>
               <a:pPr/>
-              <a:t>7</a:t>
+              <a:t>6</a:t>
             </a:fld>
             <a:endParaRPr lang="en-US"/>
           </a:p>
@@ -6651,7 +5747,7 @@
 </p:sld>
 </file>
 
-<file path=ppt/slides/slide8.xml><?xml version="1.0" encoding="utf-8"?>
+<file path=ppt/slides/slide7.xml><?xml version="1.0" encoding="utf-8"?>
 <p:sld xmlns:a="http://schemas.openxmlformats.org/drawingml/2006/main" xmlns:r="http://schemas.openxmlformats.org/officeDocument/2006/relationships" xmlns:p="http://schemas.openxmlformats.org/presentationml/2006/main">
   <p:cSld>
     <p:spTree>
@@ -6852,7 +5948,7 @@
             <a:fld id="{8B8D0034-34A8-4F4F-AD0F-588093AE7929}" type="slidenum">
               <a:rPr lang="en-US" smtClean="0"/>
               <a:pPr/>
-              <a:t>8</a:t>
+              <a:t>7</a:t>
             </a:fld>
             <a:endParaRPr lang="en-US"/>
           </a:p>
@@ -6878,7 +5974,7 @@
 </p:sld>
 </file>
 
-<file path=ppt/slides/slide9.xml><?xml version="1.0" encoding="utf-8"?>
+<file path=ppt/slides/slide8.xml><?xml version="1.0" encoding="utf-8"?>
 <p:sld xmlns:a="http://schemas.openxmlformats.org/drawingml/2006/main" xmlns:r="http://schemas.openxmlformats.org/officeDocument/2006/relationships" xmlns:p="http://schemas.openxmlformats.org/presentationml/2006/main">
   <p:cSld>
     <p:spTree>
@@ -7051,7 +6147,7 @@
             <a:fld id="{1885BB51-0796-4632-BDB9-6CE403630838}" type="slidenum">
               <a:rPr lang="en-US" smtClean="0"/>
               <a:pPr/>
-              <a:t>9</a:t>
+              <a:t>8</a:t>
             </a:fld>
             <a:endParaRPr lang="en-US"/>
           </a:p>
